--- a/15_Ch01_Inheritance.pptx
+++ b/15_Ch01_Inheritance.pptx
@@ -3462,7 +3462,7 @@
                   <a:srgbClr val="FFFF00"/>
                 </a:solidFill>
               </a:rPr>
-              <a:t>1 Java Inheritance</a:t>
+              <a:t>1 Inheritance</a:t>
             </a:r>
             <a:endParaRPr lang="zh-TW" altLang="en-US" sz="4800" b="1" dirty="0">
               <a:solidFill>
@@ -3792,12 +3792,12 @@
           <a:p>
             <a:pPr algn="l"/>
             <a:r>
-              <a:rPr lang="en-US" altLang="zh-TW" b="1" dirty="0">
+              <a:rPr lang="en-US" altLang="zh-TW" b="1">
                 <a:solidFill>
                   <a:srgbClr val="FFFF00"/>
                 </a:solidFill>
               </a:rPr>
-              <a:t>1 Java Inheritance</a:t>
+              <a:t>1 Inheritance</a:t>
             </a:r>
             <a:endParaRPr lang="zh-TW" altLang="en-US" b="1" dirty="0">
               <a:solidFill>
